--- a/Presentation.pptx
+++ b/Presentation.pptx
@@ -117,7 +117,228 @@
       </a:defRPr>
     </a:lvl9pPr>
   </p:defaultTextStyle>
+  <p:extLst>
+    <p:ext uri="{EFAFB233-063F-42B5-8137-9DF3F51BA10A}">
+      <p15:sldGuideLst xmlns:p15="http://schemas.microsoft.com/office/powerpoint/2012/main"/>
+    </p:ext>
+  </p:extLst>
 </p:presentation>
+</file>
+
+<file path=ppt/revisionInfo.xml><?xml version="1.0" encoding="utf-8"?>
+<p1510:revInfo xmlns:a="http://schemas.openxmlformats.org/drawingml/2006/main" xmlns:r="http://schemas.openxmlformats.org/officeDocument/2006/relationships" xmlns:p1510="http://schemas.microsoft.com/office/powerpoint/2015/10/main">
+  <p1510:revLst>
+    <p1510:client id="{3B0C9A00-F1D7-47DC-BEA8-2C8F68C90186}" v="110" dt="2019-04-24T04:18:37.282"/>
+  </p1510:revLst>
+</p1510:revInfo>
+</file>
+
+<file path=ppt/changesInfos/changesInfo1.xml><?xml version="1.0" encoding="utf-8"?>
+<pc:chgInfo xmlns:a="http://schemas.openxmlformats.org/drawingml/2006/main" xmlns:r="http://schemas.openxmlformats.org/officeDocument/2006/relationships" xmlns:ac="http://schemas.microsoft.com/office/drawing/2013/main/command" xmlns:pc="http://schemas.microsoft.com/office/powerpoint/2013/main/command">
+  <pc:docChgLst>
+    <pc:chgData name="Francesco Corso" userId="e2d867181608a2aa" providerId="LiveId" clId="{3B0C9A00-F1D7-47DC-BEA8-2C8F68C90186}"/>
+    <pc:docChg chg="undo custSel modSld">
+      <pc:chgData name="Francesco Corso" userId="e2d867181608a2aa" providerId="LiveId" clId="{3B0C9A00-F1D7-47DC-BEA8-2C8F68C90186}" dt="2019-04-24T04:18:37.282" v="109" actId="1076"/>
+      <pc:docMkLst>
+        <pc:docMk/>
+      </pc:docMkLst>
+      <pc:sldChg chg="addSp delSp modSp">
+        <pc:chgData name="Francesco Corso" userId="e2d867181608a2aa" providerId="LiveId" clId="{3B0C9A00-F1D7-47DC-BEA8-2C8F68C90186}" dt="2019-04-24T04:12:44.043" v="23" actId="1076"/>
+        <pc:sldMkLst>
+          <pc:docMk/>
+          <pc:sldMk cId="1229143355" sldId="263"/>
+        </pc:sldMkLst>
+        <pc:spChg chg="mod">
+          <ac:chgData name="Francesco Corso" userId="e2d867181608a2aa" providerId="LiveId" clId="{3B0C9A00-F1D7-47DC-BEA8-2C8F68C90186}" dt="2019-04-24T04:10:43.369" v="6" actId="20577"/>
+          <ac:spMkLst>
+            <pc:docMk/>
+            <pc:sldMk cId="1229143355" sldId="263"/>
+            <ac:spMk id="3" creationId="{1B09C883-38FB-4695-9BF1-04E2A96FAB12}"/>
+          </ac:spMkLst>
+        </pc:spChg>
+        <pc:picChg chg="add del mod">
+          <ac:chgData name="Francesco Corso" userId="e2d867181608a2aa" providerId="LiveId" clId="{3B0C9A00-F1D7-47DC-BEA8-2C8F68C90186}" dt="2019-04-24T04:11:43.701" v="19" actId="478"/>
+          <ac:picMkLst>
+            <pc:docMk/>
+            <pc:sldMk cId="1229143355" sldId="263"/>
+            <ac:picMk id="5" creationId="{C24FE968-BA99-4D38-8EFE-546FFE064D68}"/>
+          </ac:picMkLst>
+        </pc:picChg>
+        <pc:picChg chg="add mod">
+          <ac:chgData name="Francesco Corso" userId="e2d867181608a2aa" providerId="LiveId" clId="{3B0C9A00-F1D7-47DC-BEA8-2C8F68C90186}" dt="2019-04-24T04:12:44.043" v="23" actId="1076"/>
+          <ac:picMkLst>
+            <pc:docMk/>
+            <pc:sldMk cId="1229143355" sldId="263"/>
+            <ac:picMk id="7" creationId="{142BA465-5B89-41EE-9A4B-B5DE4873FA4A}"/>
+          </ac:picMkLst>
+        </pc:picChg>
+        <pc:picChg chg="del">
+          <ac:chgData name="Francesco Corso" userId="e2d867181608a2aa" providerId="LiveId" clId="{3B0C9A00-F1D7-47DC-BEA8-2C8F68C90186}" dt="2019-04-24T04:10:39.900" v="0" actId="478"/>
+          <ac:picMkLst>
+            <pc:docMk/>
+            <pc:sldMk cId="1229143355" sldId="263"/>
+            <ac:picMk id="13" creationId="{6F774C86-A198-41B3-8699-791CA1D1D4C2}"/>
+          </ac:picMkLst>
+        </pc:picChg>
+      </pc:sldChg>
+      <pc:sldChg chg="addSp delSp modSp">
+        <pc:chgData name="Francesco Corso" userId="e2d867181608a2aa" providerId="LiveId" clId="{3B0C9A00-F1D7-47DC-BEA8-2C8F68C90186}" dt="2019-04-24T04:15:25.377" v="51" actId="1076"/>
+        <pc:sldMkLst>
+          <pc:docMk/>
+          <pc:sldMk cId="1003760640" sldId="264"/>
+        </pc:sldMkLst>
+        <pc:spChg chg="mod">
+          <ac:chgData name="Francesco Corso" userId="e2d867181608a2aa" providerId="LiveId" clId="{3B0C9A00-F1D7-47DC-BEA8-2C8F68C90186}" dt="2019-04-24T04:15:14.919" v="43" actId="14100"/>
+          <ac:spMkLst>
+            <pc:docMk/>
+            <pc:sldMk cId="1003760640" sldId="264"/>
+            <ac:spMk id="3" creationId="{3978FD62-B308-42BA-8301-FF1FDFF5B896}"/>
+          </ac:spMkLst>
+        </pc:spChg>
+        <pc:picChg chg="add del mod modCrop">
+          <ac:chgData name="Francesco Corso" userId="e2d867181608a2aa" providerId="LiveId" clId="{3B0C9A00-F1D7-47DC-BEA8-2C8F68C90186}" dt="2019-04-24T04:11:42.348" v="18" actId="478"/>
+          <ac:picMkLst>
+            <pc:docMk/>
+            <pc:sldMk cId="1003760640" sldId="264"/>
+            <ac:picMk id="5" creationId="{6E4B5A6C-4AEE-441F-81B9-DB913A6E1F78}"/>
+          </ac:picMkLst>
+        </pc:picChg>
+        <pc:picChg chg="del">
+          <ac:chgData name="Francesco Corso" userId="e2d867181608a2aa" providerId="LiveId" clId="{3B0C9A00-F1D7-47DC-BEA8-2C8F68C90186}" dt="2019-04-24T04:11:04.800" v="11" actId="478"/>
+          <ac:picMkLst>
+            <pc:docMk/>
+            <pc:sldMk cId="1003760640" sldId="264"/>
+            <ac:picMk id="6" creationId="{0C5E3633-EFA3-4DD4-BE2C-1C1BE94F8679}"/>
+          </ac:picMkLst>
+        </pc:picChg>
+        <pc:picChg chg="add mod ord modCrop">
+          <ac:chgData name="Francesco Corso" userId="e2d867181608a2aa" providerId="LiveId" clId="{3B0C9A00-F1D7-47DC-BEA8-2C8F68C90186}" dt="2019-04-24T04:15:25.377" v="51" actId="1076"/>
+          <ac:picMkLst>
+            <pc:docMk/>
+            <pc:sldMk cId="1003760640" sldId="264"/>
+            <ac:picMk id="8" creationId="{DF5EA927-A262-4398-97AD-6CA8BB765CDD}"/>
+          </ac:picMkLst>
+        </pc:picChg>
+      </pc:sldChg>
+      <pc:sldChg chg="addSp delSp modSp">
+        <pc:chgData name="Francesco Corso" userId="e2d867181608a2aa" providerId="LiveId" clId="{3B0C9A00-F1D7-47DC-BEA8-2C8F68C90186}" dt="2019-04-24T04:16:22.463" v="76" actId="1076"/>
+        <pc:sldMkLst>
+          <pc:docMk/>
+          <pc:sldMk cId="3068937632" sldId="265"/>
+        </pc:sldMkLst>
+        <pc:spChg chg="mod">
+          <ac:chgData name="Francesco Corso" userId="e2d867181608a2aa" providerId="LiveId" clId="{3B0C9A00-F1D7-47DC-BEA8-2C8F68C90186}" dt="2019-04-24T04:15:38.471" v="59" actId="20577"/>
+          <ac:spMkLst>
+            <pc:docMk/>
+            <pc:sldMk cId="3068937632" sldId="265"/>
+            <ac:spMk id="2" creationId="{6188F671-12DA-4D76-A2A8-FFD4CA367589}"/>
+          </ac:spMkLst>
+        </pc:spChg>
+        <pc:spChg chg="mod">
+          <ac:chgData name="Francesco Corso" userId="e2d867181608a2aa" providerId="LiveId" clId="{3B0C9A00-F1D7-47DC-BEA8-2C8F68C90186}" dt="2019-04-24T04:16:16.356" v="73" actId="27636"/>
+          <ac:spMkLst>
+            <pc:docMk/>
+            <pc:sldMk cId="3068937632" sldId="265"/>
+            <ac:spMk id="3" creationId="{6F1A2BBA-8D84-4D1A-8C3C-5338DA56E3FF}"/>
+          </ac:spMkLst>
+        </pc:spChg>
+        <pc:picChg chg="add mod modCrop">
+          <ac:chgData name="Francesco Corso" userId="e2d867181608a2aa" providerId="LiveId" clId="{3B0C9A00-F1D7-47DC-BEA8-2C8F68C90186}" dt="2019-04-24T04:16:22.463" v="76" actId="1076"/>
+          <ac:picMkLst>
+            <pc:docMk/>
+            <pc:sldMk cId="3068937632" sldId="265"/>
+            <ac:picMk id="5" creationId="{6156C502-5F50-4BBD-91A3-DD12C15AE4F7}"/>
+          </ac:picMkLst>
+        </pc:picChg>
+        <pc:picChg chg="del">
+          <ac:chgData name="Francesco Corso" userId="e2d867181608a2aa" providerId="LiveId" clId="{3B0C9A00-F1D7-47DC-BEA8-2C8F68C90186}" dt="2019-04-24T04:15:48.312" v="63" actId="478"/>
+          <ac:picMkLst>
+            <pc:docMk/>
+            <pc:sldMk cId="3068937632" sldId="265"/>
+            <ac:picMk id="11" creationId="{13EFCBBC-A41B-426B-A80F-333773A0D3A5}"/>
+          </ac:picMkLst>
+        </pc:picChg>
+      </pc:sldChg>
+      <pc:sldChg chg="addSp delSp modSp">
+        <pc:chgData name="Francesco Corso" userId="e2d867181608a2aa" providerId="LiveId" clId="{3B0C9A00-F1D7-47DC-BEA8-2C8F68C90186}" dt="2019-04-24T04:16:48.427" v="83" actId="14100"/>
+        <pc:sldMkLst>
+          <pc:docMk/>
+          <pc:sldMk cId="3121066300" sldId="266"/>
+        </pc:sldMkLst>
+        <pc:picChg chg="add mod modCrop">
+          <ac:chgData name="Francesco Corso" userId="e2d867181608a2aa" providerId="LiveId" clId="{3B0C9A00-F1D7-47DC-BEA8-2C8F68C90186}" dt="2019-04-24T04:16:48.427" v="83" actId="14100"/>
+          <ac:picMkLst>
+            <pc:docMk/>
+            <pc:sldMk cId="3121066300" sldId="266"/>
+            <ac:picMk id="4" creationId="{49E808CA-0FD9-46D7-BC60-70A36E2481A8}"/>
+          </ac:picMkLst>
+        </pc:picChg>
+        <pc:picChg chg="del">
+          <ac:chgData name="Francesco Corso" userId="e2d867181608a2aa" providerId="LiveId" clId="{3B0C9A00-F1D7-47DC-BEA8-2C8F68C90186}" dt="2019-04-24T04:16:27.313" v="77" actId="478"/>
+          <ac:picMkLst>
+            <pc:docMk/>
+            <pc:sldMk cId="3121066300" sldId="266"/>
+            <ac:picMk id="9" creationId="{2D365593-A6F8-4983-A54C-AE8939AFCF15}"/>
+          </ac:picMkLst>
+        </pc:picChg>
+      </pc:sldChg>
+      <pc:sldChg chg="addSp delSp modSp">
+        <pc:chgData name="Francesco Corso" userId="e2d867181608a2aa" providerId="LiveId" clId="{3B0C9A00-F1D7-47DC-BEA8-2C8F68C90186}" dt="2019-04-24T04:18:08.022" v="99" actId="1076"/>
+        <pc:sldMkLst>
+          <pc:docMk/>
+          <pc:sldMk cId="4092932131" sldId="267"/>
+        </pc:sldMkLst>
+        <pc:spChg chg="mod">
+          <ac:chgData name="Francesco Corso" userId="e2d867181608a2aa" providerId="LiveId" clId="{3B0C9A00-F1D7-47DC-BEA8-2C8F68C90186}" dt="2019-04-24T04:18:01.445" v="97" actId="14100"/>
+          <ac:spMkLst>
+            <pc:docMk/>
+            <pc:sldMk cId="4092932131" sldId="267"/>
+            <ac:spMk id="3" creationId="{D8EF6F52-971A-4EC4-B0FD-5DEE1823558E}"/>
+          </ac:spMkLst>
+        </pc:spChg>
+        <pc:picChg chg="del">
+          <ac:chgData name="Francesco Corso" userId="e2d867181608a2aa" providerId="LiveId" clId="{3B0C9A00-F1D7-47DC-BEA8-2C8F68C90186}" dt="2019-04-24T04:17:23.864" v="84" actId="478"/>
+          <ac:picMkLst>
+            <pc:docMk/>
+            <pc:sldMk cId="4092932131" sldId="267"/>
+            <ac:picMk id="5" creationId="{1D8EB65A-B3D9-4D12-A989-55960A27E206}"/>
+          </ac:picMkLst>
+        </pc:picChg>
+        <pc:picChg chg="add mod modCrop">
+          <ac:chgData name="Francesco Corso" userId="e2d867181608a2aa" providerId="LiveId" clId="{3B0C9A00-F1D7-47DC-BEA8-2C8F68C90186}" dt="2019-04-24T04:18:08.022" v="99" actId="1076"/>
+          <ac:picMkLst>
+            <pc:docMk/>
+            <pc:sldMk cId="4092932131" sldId="267"/>
+            <ac:picMk id="6" creationId="{69CC3CE0-320B-4B11-BCCB-C213D1448F70}"/>
+          </ac:picMkLst>
+        </pc:picChg>
+      </pc:sldChg>
+      <pc:sldChg chg="addSp delSp modSp">
+        <pc:chgData name="Francesco Corso" userId="e2d867181608a2aa" providerId="LiveId" clId="{3B0C9A00-F1D7-47DC-BEA8-2C8F68C90186}" dt="2019-04-24T04:18:37.282" v="109" actId="1076"/>
+        <pc:sldMkLst>
+          <pc:docMk/>
+          <pc:sldMk cId="1984069407" sldId="268"/>
+        </pc:sldMkLst>
+        <pc:picChg chg="del">
+          <ac:chgData name="Francesco Corso" userId="e2d867181608a2aa" providerId="LiveId" clId="{3B0C9A00-F1D7-47DC-BEA8-2C8F68C90186}" dt="2019-04-24T04:18:11.288" v="100" actId="478"/>
+          <ac:picMkLst>
+            <pc:docMk/>
+            <pc:sldMk cId="1984069407" sldId="268"/>
+            <ac:picMk id="5" creationId="{158B8D2F-3464-473E-94B4-BE7C2C2F8BC1}"/>
+          </ac:picMkLst>
+        </pc:picChg>
+        <pc:picChg chg="add mod modCrop">
+          <ac:chgData name="Francesco Corso" userId="e2d867181608a2aa" providerId="LiveId" clId="{3B0C9A00-F1D7-47DC-BEA8-2C8F68C90186}" dt="2019-04-24T04:18:37.282" v="109" actId="1076"/>
+          <ac:picMkLst>
+            <pc:docMk/>
+            <pc:sldMk cId="1984069407" sldId="268"/>
+            <ac:picMk id="6" creationId="{EFE6192C-C5F0-44EE-8406-785BDF457DFE}"/>
+          </ac:picMkLst>
+        </pc:picChg>
+      </pc:sldChg>
+    </pc:docChg>
+  </pc:docChgLst>
+</pc:chgInfo>
 </file>
 
 <file path=ppt/slideLayouts/slideLayout1.xml><?xml version="1.0" encoding="utf-8"?>
@@ -334,7 +555,7 @@
             <a:fld id="{B61BEF0D-F0BB-DE4B-95CE-6DB70DBA9567}" type="datetimeFigureOut">
               <a:rPr lang="en-US" dirty="0"/>
               <a:pPr/>
-              <a:t>4/16/2019</a:t>
+              <a:t>4/24/2019</a:t>
             </a:fld>
             <a:endParaRPr lang="en-US" dirty="0"/>
           </a:p>
@@ -622,7 +843,7 @@
             <a:fld id="{B61BEF0D-F0BB-DE4B-95CE-6DB70DBA9567}" type="datetimeFigureOut">
               <a:rPr lang="en-US" dirty="0"/>
               <a:pPr/>
-              <a:t>4/16/2019</a:t>
+              <a:t>4/24/2019</a:t>
             </a:fld>
             <a:endParaRPr lang="en-US" dirty="0"/>
           </a:p>
@@ -878,7 +1099,7 @@
             <a:fld id="{B61BEF0D-F0BB-DE4B-95CE-6DB70DBA9567}" type="datetimeFigureOut">
               <a:rPr lang="en-US" dirty="0"/>
               <a:pPr/>
-              <a:t>4/16/2019</a:t>
+              <a:t>4/24/2019</a:t>
             </a:fld>
             <a:endParaRPr lang="en-US" dirty="0"/>
           </a:p>
@@ -1344,7 +1565,7 @@
             <a:fld id="{B61BEF0D-F0BB-DE4B-95CE-6DB70DBA9567}" type="datetimeFigureOut">
               <a:rPr lang="en-US" dirty="0"/>
               <a:pPr/>
-              <a:t>4/16/2019</a:t>
+              <a:t>4/24/2019</a:t>
             </a:fld>
             <a:endParaRPr lang="en-US" dirty="0"/>
           </a:p>
@@ -1521,7 +1742,7 @@
             <a:fld id="{B61BEF0D-F0BB-DE4B-95CE-6DB70DBA9567}" type="datetimeFigureOut">
               <a:rPr lang="en-US" dirty="0"/>
               <a:pPr/>
-              <a:t>4/16/2019</a:t>
+              <a:t>4/24/2019</a:t>
             </a:fld>
             <a:endParaRPr lang="en-US" dirty="0"/>
           </a:p>
@@ -2094,7 +2315,7 @@
             <a:fld id="{B61BEF0D-F0BB-DE4B-95CE-6DB70DBA9567}" type="datetimeFigureOut">
               <a:rPr lang="en-US" dirty="0"/>
               <a:pPr/>
-              <a:t>4/16/2019</a:t>
+              <a:t>4/24/2019</a:t>
             </a:fld>
             <a:endParaRPr lang="en-US" dirty="0"/>
           </a:p>
@@ -2423,7 +2644,7 @@
             <a:fld id="{B61BEF0D-F0BB-DE4B-95CE-6DB70DBA9567}" type="datetimeFigureOut">
               <a:rPr lang="en-US" dirty="0"/>
               <a:pPr/>
-              <a:t>4/16/2019</a:t>
+              <a:t>4/24/2019</a:t>
             </a:fld>
             <a:endParaRPr lang="en-US" dirty="0"/>
           </a:p>
@@ -2595,7 +2816,7 @@
             <a:fld id="{B61BEF0D-F0BB-DE4B-95CE-6DB70DBA9567}" type="datetimeFigureOut">
               <a:rPr lang="en-US" dirty="0"/>
               <a:pPr/>
-              <a:t>4/16/2019</a:t>
+              <a:t>4/24/2019</a:t>
             </a:fld>
             <a:endParaRPr lang="en-US" dirty="0"/>
           </a:p>
@@ -2772,7 +2993,7 @@
             <a:fld id="{B61BEF0D-F0BB-DE4B-95CE-6DB70DBA9567}" type="datetimeFigureOut">
               <a:rPr lang="en-US" dirty="0"/>
               <a:pPr/>
-              <a:t>4/16/2019</a:t>
+              <a:t>4/24/2019</a:t>
             </a:fld>
             <a:endParaRPr lang="en-US" dirty="0"/>
           </a:p>
@@ -2939,7 +3160,7 @@
             <a:fld id="{B61BEF0D-F0BB-DE4B-95CE-6DB70DBA9567}" type="datetimeFigureOut">
               <a:rPr lang="en-US" dirty="0"/>
               <a:pPr/>
-              <a:t>4/16/2019</a:t>
+              <a:t>4/24/2019</a:t>
             </a:fld>
             <a:endParaRPr lang="en-US" dirty="0"/>
           </a:p>
@@ -3193,7 +3414,7 @@
             <a:fld id="{B61BEF0D-F0BB-DE4B-95CE-6DB70DBA9567}" type="datetimeFigureOut">
               <a:rPr lang="en-US" dirty="0"/>
               <a:pPr/>
-              <a:t>4/16/2019</a:t>
+              <a:t>4/24/2019</a:t>
             </a:fld>
             <a:endParaRPr lang="en-US" dirty="0"/>
           </a:p>
@@ -3482,7 +3703,7 @@
             <a:fld id="{B61BEF0D-F0BB-DE4B-95CE-6DB70DBA9567}" type="datetimeFigureOut">
               <a:rPr lang="en-US" dirty="0"/>
               <a:pPr/>
-              <a:t>4/16/2019</a:t>
+              <a:t>4/24/2019</a:t>
             </a:fld>
             <a:endParaRPr lang="en-US" dirty="0"/>
           </a:p>
@@ -3909,7 +4130,7 @@
             <a:fld id="{B61BEF0D-F0BB-DE4B-95CE-6DB70DBA9567}" type="datetimeFigureOut">
               <a:rPr lang="en-US" dirty="0"/>
               <a:pPr/>
-              <a:t>4/16/2019</a:t>
+              <a:t>4/24/2019</a:t>
             </a:fld>
             <a:endParaRPr lang="en-US" dirty="0"/>
           </a:p>
@@ -4024,7 +4245,7 @@
             <a:fld id="{B61BEF0D-F0BB-DE4B-95CE-6DB70DBA9567}" type="datetimeFigureOut">
               <a:rPr lang="en-US" dirty="0"/>
               <a:pPr/>
-              <a:t>4/16/2019</a:t>
+              <a:t>4/24/2019</a:t>
             </a:fld>
             <a:endParaRPr lang="en-US" dirty="0"/>
           </a:p>
@@ -4116,7 +4337,7 @@
             <a:fld id="{B61BEF0D-F0BB-DE4B-95CE-6DB70DBA9567}" type="datetimeFigureOut">
               <a:rPr lang="en-US" dirty="0"/>
               <a:pPr/>
-              <a:t>4/16/2019</a:t>
+              <a:t>4/24/2019</a:t>
             </a:fld>
             <a:endParaRPr lang="en-US" dirty="0"/>
           </a:p>
@@ -4396,7 +4617,7 @@
             <a:fld id="{B61BEF0D-F0BB-DE4B-95CE-6DB70DBA9567}" type="datetimeFigureOut">
               <a:rPr lang="en-US" dirty="0"/>
               <a:pPr/>
-              <a:t>4/16/2019</a:t>
+              <a:t>4/24/2019</a:t>
             </a:fld>
             <a:endParaRPr lang="en-US" dirty="0"/>
           </a:p>
@@ -4684,7 +4905,7 @@
             <a:fld id="{B61BEF0D-F0BB-DE4B-95CE-6DB70DBA9567}" type="datetimeFigureOut">
               <a:rPr lang="en-US" dirty="0"/>
               <a:pPr/>
-              <a:t>4/16/2019</a:t>
+              <a:t>4/24/2019</a:t>
             </a:fld>
             <a:endParaRPr lang="en-US" dirty="0"/>
           </a:p>
@@ -4912,7 +5133,7 @@
             <a:fld id="{B61BEF0D-F0BB-DE4B-95CE-6DB70DBA9567}" type="datetimeFigureOut">
               <a:rPr lang="en-US" dirty="0"/>
               <a:pPr/>
-              <a:t>4/16/2019</a:t>
+              <a:t>4/24/2019</a:t>
             </a:fld>
             <a:endParaRPr lang="en-US" dirty="0"/>
           </a:p>
@@ -5786,7 +6007,7 @@
           <a:p>
             <a:r>
               <a:rPr lang="en-US" dirty="0"/>
-              <a:t>Composite</a:t>
+              <a:t>Filter</a:t>
             </a:r>
           </a:p>
         </p:txBody>
@@ -5810,26 +6031,61 @@
         <p:spPr>
           <a:xfrm>
             <a:off x="1141413" y="2666999"/>
-            <a:ext cx="5738781" cy="3124201"/>
+            <a:ext cx="10223273" cy="3124201"/>
           </a:xfrm>
         </p:spPr>
         <p:txBody>
-          <a:bodyPr/>
-          <a:lstStyle/>
-          <a:p>
-            <a:r>
-              <a:rPr lang="en-US" dirty="0"/>
-              <a:t>There are not only multiple types of square, but also various types of components that are composed of each other, which is used in order to utilize the pattern systems the generation algorithm uses</a:t>
+          <a:bodyPr>
+            <a:normAutofit/>
+          </a:bodyPr>
+          <a:lstStyle/>
+          <a:p>
+            <a:r>
+              <a:rPr lang="en-US" dirty="0"/>
+              <a:t>Because custom algorithms can be added, we need a means to vet the integrity of the board</a:t>
+            </a:r>
+          </a:p>
+          <a:p>
+            <a:r>
+              <a:rPr lang="en-US" dirty="0"/>
+              <a:t>Each filter checks on the aspects that the board that are determined by the difficulty</a:t>
+            </a:r>
+          </a:p>
+          <a:p>
+            <a:pPr lvl="1"/>
+            <a:r>
+              <a:rPr lang="en-US" dirty="0"/>
+              <a:t>Dimensions</a:t>
+            </a:r>
+          </a:p>
+          <a:p>
+            <a:pPr lvl="1"/>
+            <a:r>
+              <a:rPr lang="en-US" dirty="0"/>
+              <a:t>Number of mines</a:t>
+            </a:r>
+          </a:p>
+          <a:p>
+            <a:pPr lvl="1"/>
+            <a:r>
+              <a:rPr lang="en-US" dirty="0"/>
+              <a:t>Number placement</a:t>
+            </a:r>
+          </a:p>
+          <a:p>
+            <a:r>
+              <a:rPr lang="en-US" dirty="0"/>
+              <a:t>The filter processes the board as a character array and outputs the version with any corrections it needed to make</a:t>
             </a:r>
           </a:p>
         </p:txBody>
       </p:sp>
       <p:pic>
         <p:nvPicPr>
-          <p:cNvPr id="11" name="Picture 10">
+          <p:cNvPr id="5" name="Picture 4">
             <a:extLst>
               <a:ext uri="{FF2B5EF4-FFF2-40B4-BE49-F238E27FC236}">
-                <a16:creationId xmlns:a16="http://schemas.microsoft.com/office/drawing/2014/main" id="{13EFCBBC-A41B-426B-A80F-333773A0D3A5}"/>
+                <a16:creationId xmlns:a16="http://schemas.microsoft.com/office/drawing/2014/main" id="{6156C502-5F50-4BBD-91A3-DD12C15AE4F7}"/>
               </a:ext>
             </a:extLst>
           </p:cNvPr>
@@ -5840,13 +6096,13 @@
         </p:nvPicPr>
         <p:blipFill rotWithShape="1">
           <a:blip r:embed="rId2"/>
-          <a:srcRect t="23673" r="19587"/>
+          <a:srcRect l="29635" r="32117" b="71313"/>
           <a:stretch/>
         </p:blipFill>
         <p:spPr>
           <a:xfrm>
-            <a:off x="7012280" y="49762"/>
-            <a:ext cx="4937064" cy="5234473"/>
+            <a:off x="6094412" y="97825"/>
+            <a:ext cx="4497354" cy="2569174"/>
           </a:xfrm>
           <a:prstGeom prst="rect">
             <a:avLst/>
@@ -5955,10 +6211,10 @@
       </p:sp>
       <p:pic>
         <p:nvPicPr>
-          <p:cNvPr id="9" name="Picture 8">
+          <p:cNvPr id="4" name="Picture 3">
             <a:extLst>
               <a:ext uri="{FF2B5EF4-FFF2-40B4-BE49-F238E27FC236}">
-                <a16:creationId xmlns:a16="http://schemas.microsoft.com/office/drawing/2014/main" id="{2D365593-A6F8-4983-A54C-AE8939AFCF15}"/>
+                <a16:creationId xmlns:a16="http://schemas.microsoft.com/office/drawing/2014/main" id="{49E808CA-0FD9-46D7-BC60-70A36E2481A8}"/>
               </a:ext>
             </a:extLst>
           </p:cNvPr>
@@ -5969,13 +6225,13 @@
         </p:nvPicPr>
         <p:blipFill rotWithShape="1">
           <a:blip r:embed="rId2"/>
-          <a:srcRect l="16068" r="29275" b="64660"/>
+          <a:srcRect l="44167" t="14060" b="46236"/>
           <a:stretch/>
         </p:blipFill>
         <p:spPr>
           <a:xfrm>
-            <a:off x="8451541" y="167196"/>
-            <a:ext cx="3355759" cy="2423604"/>
+            <a:off x="5467737" y="114300"/>
+            <a:ext cx="5794311" cy="3142258"/>
           </a:xfrm>
           <a:prstGeom prst="rect">
             <a:avLst/>
@@ -6056,7 +6312,12 @@
             <p:ph idx="1"/>
           </p:nvPr>
         </p:nvSpPr>
-        <p:spPr/>
+        <p:spPr>
+          <a:xfrm>
+            <a:off x="1141413" y="2666999"/>
+            <a:ext cx="6565673" cy="3124201"/>
+          </a:xfrm>
+        </p:spPr>
         <p:txBody>
           <a:bodyPr/>
           <a:lstStyle/>
@@ -6098,10 +6359,10 @@
       </p:sp>
       <p:pic>
         <p:nvPicPr>
-          <p:cNvPr id="5" name="Picture 4">
+          <p:cNvPr id="6" name="Picture 5">
             <a:extLst>
               <a:ext uri="{FF2B5EF4-FFF2-40B4-BE49-F238E27FC236}">
-                <a16:creationId xmlns:a16="http://schemas.microsoft.com/office/drawing/2014/main" id="{1D8EB65A-B3D9-4D12-A989-55960A27E206}"/>
+                <a16:creationId xmlns:a16="http://schemas.microsoft.com/office/drawing/2014/main" id="{69CC3CE0-320B-4B11-BCCB-C213D1448F70}"/>
               </a:ext>
             </a:extLst>
           </p:cNvPr>
@@ -6112,13 +6373,13 @@
         </p:nvPicPr>
         <p:blipFill rotWithShape="1">
           <a:blip r:embed="rId2"/>
-          <a:srcRect t="23129" r="57760" b="23236"/>
+          <a:srcRect l="33647" t="28493" r="36417" b="19798"/>
           <a:stretch/>
         </p:blipFill>
         <p:spPr>
           <a:xfrm>
-            <a:off x="9598641" y="0"/>
-            <a:ext cx="2593359" cy="3678254"/>
+            <a:off x="7296539" y="421502"/>
+            <a:ext cx="4572001" cy="6014996"/>
           </a:xfrm>
           <a:prstGeom prst="rect">
             <a:avLst/>
@@ -6225,10 +6486,10 @@
       </p:sp>
       <p:pic>
         <p:nvPicPr>
-          <p:cNvPr id="5" name="Picture 4">
+          <p:cNvPr id="6" name="Picture 5">
             <a:extLst>
               <a:ext uri="{FF2B5EF4-FFF2-40B4-BE49-F238E27FC236}">
-                <a16:creationId xmlns:a16="http://schemas.microsoft.com/office/drawing/2014/main" id="{158B8D2F-3464-473E-94B4-BE7C2C2F8BC1}"/>
+                <a16:creationId xmlns:a16="http://schemas.microsoft.com/office/drawing/2014/main" id="{EFE6192C-C5F0-44EE-8406-785BDF457DFE}"/>
               </a:ext>
             </a:extLst>
           </p:cNvPr>
@@ -6239,13 +6500,13 @@
         </p:nvPicPr>
         <p:blipFill rotWithShape="1">
           <a:blip r:embed="rId2"/>
-          <a:srcRect l="72605" t="31845" r="6429" b="55469"/>
+          <a:srcRect l="53799" t="60218" r="20702" b="8250"/>
           <a:stretch/>
         </p:blipFill>
         <p:spPr>
           <a:xfrm>
-            <a:off x="7377343" y="692088"/>
-            <a:ext cx="3249227" cy="2196030"/>
+            <a:off x="7165911" y="208383"/>
+            <a:ext cx="3545632" cy="3339489"/>
           </a:xfrm>
           <a:prstGeom prst="rect">
             <a:avLst/>
@@ -7149,7 +7410,7 @@
             <a:pPr lvl="1"/>
             <a:r>
               <a:rPr lang="en-US" dirty="0"/>
-              <a:t>Composite</a:t>
+              <a:t>Filter</a:t>
             </a:r>
           </a:p>
           <a:p>
@@ -7177,10 +7438,10 @@
       </p:sp>
       <p:pic>
         <p:nvPicPr>
-          <p:cNvPr id="13" name="Picture 12">
+          <p:cNvPr id="7" name="Picture 6">
             <a:extLst>
               <a:ext uri="{FF2B5EF4-FFF2-40B4-BE49-F238E27FC236}">
-                <a16:creationId xmlns:a16="http://schemas.microsoft.com/office/drawing/2014/main" id="{6F774C86-A198-41B3-8699-791CA1D1D4C2}"/>
+                <a16:creationId xmlns:a16="http://schemas.microsoft.com/office/drawing/2014/main" id="{142BA465-5B89-41EE-9A4B-B5DE4873FA4A}"/>
               </a:ext>
             </a:extLst>
           </p:cNvPr>
@@ -7197,8 +7458,8 @@
         </p:blipFill>
         <p:spPr>
           <a:xfrm>
-            <a:off x="6186195" y="152887"/>
-            <a:ext cx="5865845" cy="6552226"/>
+            <a:off x="5599301" y="1946496"/>
+            <a:ext cx="6293934" cy="4793810"/>
           </a:xfrm>
           <a:prstGeom prst="rect">
             <a:avLst/>
@@ -7235,86 +7496,12 @@
           <a:chExt cx="0" cy="0"/>
         </a:xfrm>
       </p:grpSpPr>
-      <p:sp>
-        <p:nvSpPr>
-          <p:cNvPr id="2" name="Title 1">
+      <p:pic>
+        <p:nvPicPr>
+          <p:cNvPr id="8" name="Picture 7">
             <a:extLst>
               <a:ext uri="{FF2B5EF4-FFF2-40B4-BE49-F238E27FC236}">
-                <a16:creationId xmlns:a16="http://schemas.microsoft.com/office/drawing/2014/main" id="{3CCB66EA-D84A-40FE-A31F-EA1D42828DCE}"/>
-              </a:ext>
-            </a:extLst>
-          </p:cNvPr>
-          <p:cNvSpPr>
-            <a:spLocks noGrp="1"/>
-          </p:cNvSpPr>
-          <p:nvPr>
-            <p:ph type="title"/>
-          </p:nvPr>
-        </p:nvSpPr>
-        <p:spPr/>
-        <p:txBody>
-          <a:bodyPr/>
-          <a:lstStyle/>
-          <a:p>
-            <a:r>
-              <a:rPr lang="en-US" dirty="0"/>
-              <a:t>Factory Pattern</a:t>
-            </a:r>
-          </a:p>
-        </p:txBody>
-      </p:sp>
-      <p:sp>
-        <p:nvSpPr>
-          <p:cNvPr id="3" name="Content Placeholder 2">
-            <a:extLst>
-              <a:ext uri="{FF2B5EF4-FFF2-40B4-BE49-F238E27FC236}">
-                <a16:creationId xmlns:a16="http://schemas.microsoft.com/office/drawing/2014/main" id="{3978FD62-B308-42BA-8301-FF1FDFF5B896}"/>
-              </a:ext>
-            </a:extLst>
-          </p:cNvPr>
-          <p:cNvSpPr>
-            <a:spLocks noGrp="1"/>
-          </p:cNvSpPr>
-          <p:nvPr>
-            <p:ph idx="1"/>
-          </p:nvPr>
-        </p:nvSpPr>
-        <p:spPr>
-          <a:xfrm>
-            <a:off x="1141413" y="2666999"/>
-            <a:ext cx="9905998" cy="3124201"/>
-          </a:xfrm>
-        </p:spPr>
-        <p:txBody>
-          <a:bodyPr/>
-          <a:lstStyle/>
-          <a:p>
-            <a:r>
-              <a:rPr lang="en-US" dirty="0"/>
-              <a:t>Used to determine which type of square to create based on the random generation algorithm’s result. The system also has to parse the mine locations in order to place the numbers</a:t>
-            </a:r>
-          </a:p>
-          <a:p>
-            <a:r>
-              <a:rPr lang="en-US" dirty="0"/>
-              <a:t>This facilitates the creation of the squares and may allow for new types of square in the future</a:t>
-            </a:r>
-          </a:p>
-          <a:p>
-            <a:pPr lvl="1"/>
-            <a:r>
-              <a:rPr lang="en-US" dirty="0"/>
-              <a:t>For example and empty square that has an image underneath it</a:t>
-            </a:r>
-          </a:p>
-        </p:txBody>
-      </p:sp>
-      <p:pic>
-        <p:nvPicPr>
-          <p:cNvPr id="6" name="Picture 5">
-            <a:extLst>
-              <a:ext uri="{FF2B5EF4-FFF2-40B4-BE49-F238E27FC236}">
-                <a16:creationId xmlns:a16="http://schemas.microsoft.com/office/drawing/2014/main" id="{0C5E3633-EFA3-4DD4-BE2C-1C1BE94F8679}"/>
+                <a16:creationId xmlns:a16="http://schemas.microsoft.com/office/drawing/2014/main" id="{DF5EA927-A262-4398-97AD-6CA8BB765CDD}"/>
               </a:ext>
             </a:extLst>
           </p:cNvPr>
@@ -7325,19 +7512,115 @@
         </p:nvPicPr>
         <p:blipFill rotWithShape="1">
           <a:blip r:embed="rId2"/>
-          <a:srcRect t="61224" r="51"/>
+          <a:srcRect r="64613" b="43102"/>
           <a:stretch/>
         </p:blipFill>
         <p:spPr>
           <a:xfrm>
-            <a:off x="5085826" y="98119"/>
-            <a:ext cx="6756598" cy="2927962"/>
+            <a:off x="8276863" y="1576873"/>
+            <a:ext cx="3708169" cy="4541191"/>
           </a:xfrm>
           <a:prstGeom prst="rect">
             <a:avLst/>
           </a:prstGeom>
         </p:spPr>
       </p:pic>
+      <p:sp>
+        <p:nvSpPr>
+          <p:cNvPr id="2" name="Title 1">
+            <a:extLst>
+              <a:ext uri="{FF2B5EF4-FFF2-40B4-BE49-F238E27FC236}">
+                <a16:creationId xmlns:a16="http://schemas.microsoft.com/office/drawing/2014/main" id="{3CCB66EA-D84A-40FE-A31F-EA1D42828DCE}"/>
+              </a:ext>
+            </a:extLst>
+          </p:cNvPr>
+          <p:cNvSpPr>
+            <a:spLocks noGrp="1"/>
+          </p:cNvSpPr>
+          <p:nvPr>
+            <p:ph type="title"/>
+          </p:nvPr>
+        </p:nvSpPr>
+        <p:spPr/>
+        <p:txBody>
+          <a:bodyPr/>
+          <a:lstStyle/>
+          <a:p>
+            <a:r>
+              <a:rPr lang="en-US" dirty="0"/>
+              <a:t>Factory Pattern</a:t>
+            </a:r>
+          </a:p>
+        </p:txBody>
+      </p:sp>
+      <p:sp>
+        <p:nvSpPr>
+          <p:cNvPr id="3" name="Content Placeholder 2">
+            <a:extLst>
+              <a:ext uri="{FF2B5EF4-FFF2-40B4-BE49-F238E27FC236}">
+                <a16:creationId xmlns:a16="http://schemas.microsoft.com/office/drawing/2014/main" id="{3978FD62-B308-42BA-8301-FF1FDFF5B896}"/>
+              </a:ext>
+            </a:extLst>
+          </p:cNvPr>
+          <p:cNvSpPr>
+            <a:spLocks noGrp="1"/>
+          </p:cNvSpPr>
+          <p:nvPr>
+            <p:ph idx="1"/>
+          </p:nvPr>
+        </p:nvSpPr>
+        <p:spPr>
+          <a:xfrm>
+            <a:off x="1141413" y="2666999"/>
+            <a:ext cx="7694677" cy="3124201"/>
+          </a:xfrm>
+        </p:spPr>
+        <p:txBody>
+          <a:bodyPr>
+            <a:normAutofit/>
+          </a:bodyPr>
+          <a:lstStyle/>
+          <a:p>
+            <a:r>
+              <a:rPr lang="en-US" dirty="0"/>
+              <a:t>Used to retrieve the board generator object, which in turn determines which algorithm is used for the generation</a:t>
+            </a:r>
+          </a:p>
+          <a:p>
+            <a:r>
+              <a:rPr lang="en-US" dirty="0"/>
+              <a:t>Currently, three options exist, but more can be added</a:t>
+            </a:r>
+          </a:p>
+          <a:p>
+            <a:pPr lvl="1"/>
+            <a:r>
+              <a:rPr lang="en-US" dirty="0"/>
+              <a:t>Native</a:t>
+            </a:r>
+          </a:p>
+          <a:p>
+            <a:pPr lvl="1"/>
+            <a:r>
+              <a:rPr lang="en-US" dirty="0"/>
+              <a:t>C++ Application</a:t>
+            </a:r>
+          </a:p>
+          <a:p>
+            <a:pPr lvl="1"/>
+            <a:r>
+              <a:rPr lang="en-US" dirty="0"/>
+              <a:t>Java Web Service</a:t>
+            </a:r>
+          </a:p>
+          <a:p>
+            <a:r>
+              <a:rPr lang="en-US" dirty="0"/>
+              <a:t>Also contains a Null Object in the event that the selected class name doesn’t exist</a:t>
+            </a:r>
+          </a:p>
+        </p:txBody>
+      </p:sp>
     </p:spTree>
     <p:extLst>
       <p:ext uri="{BB962C8B-B14F-4D97-AF65-F5344CB8AC3E}">
